--- a/reports/FR/images/semus-architecture2.pptx
+++ b/reports/FR/images/semus-architecture2.pptx
@@ -107,6 +107,11 @@
       </a:defRPr>
     </a:lvl9pPr>
   </p:defaultTextStyle>
+  <p:extLst>
+    <p:ext uri="{EFAFB233-063F-42B5-8137-9DF3F51BA10A}">
+      <p15:sldGuideLst xmlns:p15="http://schemas.microsoft.com/office/powerpoint/2012/main"/>
+    </p:ext>
+  </p:extLst>
 </p:presentation>
 </file>
 
@@ -192,7 +197,7 @@
           <a:p>
             <a:fld id="{4D53A42F-62CA-EF4E-AD3B-BAD8D5BA33FE}" type="datetimeFigureOut">
               <a:rPr lang="en-LU" smtClean="0"/>
-              <a:t>13/10/2021</a:t>
+              <a:t>20/10/2021</a:t>
             </a:fld>
             <a:endParaRPr lang="en-LU"/>
           </a:p>
@@ -680,7 +685,7 @@
           <a:p>
             <a:fld id="{8CBBD434-7B27-FF4B-A656-CDC9A2C05807}" type="datetimeFigureOut">
               <a:rPr lang="en-LU" smtClean="0"/>
-              <a:t>13/10/2021</a:t>
+              <a:t>20/10/2021</a:t>
             </a:fld>
             <a:endParaRPr lang="en-LU"/>
           </a:p>
@@ -850,7 +855,7 @@
           <a:p>
             <a:fld id="{8CBBD434-7B27-FF4B-A656-CDC9A2C05807}" type="datetimeFigureOut">
               <a:rPr lang="en-LU" smtClean="0"/>
-              <a:t>13/10/2021</a:t>
+              <a:t>20/10/2021</a:t>
             </a:fld>
             <a:endParaRPr lang="en-LU"/>
           </a:p>
@@ -1030,7 +1035,7 @@
           <a:p>
             <a:fld id="{8CBBD434-7B27-FF4B-A656-CDC9A2C05807}" type="datetimeFigureOut">
               <a:rPr lang="en-LU" smtClean="0"/>
-              <a:t>13/10/2021</a:t>
+              <a:t>20/10/2021</a:t>
             </a:fld>
             <a:endParaRPr lang="en-LU"/>
           </a:p>
@@ -1238,7 +1243,7 @@
           <a:p>
             <a:fld id="{8CBBD434-7B27-FF4B-A656-CDC9A2C05807}" type="datetimeFigureOut">
               <a:rPr lang="en-LU" smtClean="0"/>
-              <a:t>13/10/2021</a:t>
+              <a:t>20/10/2021</a:t>
             </a:fld>
             <a:endParaRPr lang="en-LU"/>
           </a:p>
@@ -1484,7 +1489,7 @@
           <a:p>
             <a:fld id="{8CBBD434-7B27-FF4B-A656-CDC9A2C05807}" type="datetimeFigureOut">
               <a:rPr lang="en-LU" smtClean="0"/>
-              <a:t>13/10/2021</a:t>
+              <a:t>20/10/2021</a:t>
             </a:fld>
             <a:endParaRPr lang="en-LU"/>
           </a:p>
@@ -1716,7 +1721,7 @@
           <a:p>
             <a:fld id="{8CBBD434-7B27-FF4B-A656-CDC9A2C05807}" type="datetimeFigureOut">
               <a:rPr lang="en-LU" smtClean="0"/>
-              <a:t>13/10/2021</a:t>
+              <a:t>20/10/2021</a:t>
             </a:fld>
             <a:endParaRPr lang="en-LU"/>
           </a:p>
@@ -2083,7 +2088,7 @@
           <a:p>
             <a:fld id="{8CBBD434-7B27-FF4B-A656-CDC9A2C05807}" type="datetimeFigureOut">
               <a:rPr lang="en-LU" smtClean="0"/>
-              <a:t>13/10/2021</a:t>
+              <a:t>20/10/2021</a:t>
             </a:fld>
             <a:endParaRPr lang="en-LU"/>
           </a:p>
@@ -2201,7 +2206,7 @@
           <a:p>
             <a:fld id="{8CBBD434-7B27-FF4B-A656-CDC9A2C05807}" type="datetimeFigureOut">
               <a:rPr lang="en-LU" smtClean="0"/>
-              <a:t>13/10/2021</a:t>
+              <a:t>20/10/2021</a:t>
             </a:fld>
             <a:endParaRPr lang="en-LU"/>
           </a:p>
@@ -2296,7 +2301,7 @@
           <a:p>
             <a:fld id="{8CBBD434-7B27-FF4B-A656-CDC9A2C05807}" type="datetimeFigureOut">
               <a:rPr lang="en-LU" smtClean="0"/>
-              <a:t>13/10/2021</a:t>
+              <a:t>20/10/2021</a:t>
             </a:fld>
             <a:endParaRPr lang="en-LU"/>
           </a:p>
@@ -2573,7 +2578,7 @@
           <a:p>
             <a:fld id="{8CBBD434-7B27-FF4B-A656-CDC9A2C05807}" type="datetimeFigureOut">
               <a:rPr lang="en-LU" smtClean="0"/>
-              <a:t>13/10/2021</a:t>
+              <a:t>20/10/2021</a:t>
             </a:fld>
             <a:endParaRPr lang="en-LU"/>
           </a:p>
@@ -2830,7 +2835,7 @@
           <a:p>
             <a:fld id="{8CBBD434-7B27-FF4B-A656-CDC9A2C05807}" type="datetimeFigureOut">
               <a:rPr lang="en-LU" smtClean="0"/>
-              <a:t>13/10/2021</a:t>
+              <a:t>20/10/2021</a:t>
             </a:fld>
             <a:endParaRPr lang="en-LU"/>
           </a:p>
@@ -3043,7 +3048,7 @@
           <a:p>
             <a:fld id="{8CBBD434-7B27-FF4B-A656-CDC9A2C05807}" type="datetimeFigureOut">
               <a:rPr lang="en-LU" smtClean="0"/>
-              <a:t>13/10/2021</a:t>
+              <a:t>20/10/2021</a:t>
             </a:fld>
             <a:endParaRPr lang="en-LU"/>
           </a:p>
